--- a/게임 데이터 분석/발표 슬라이드.pptx
+++ b/게임 데이터 분석/발표 슬라이드.pptx
@@ -249,7 +249,7 @@
           <a:p>
             <a:fld id="{18E3762A-B292-4B76-A778-1B376969B267}" type="datetimeFigureOut">
               <a:rPr lang="ko-KR" altLang="en-US" smtClean="0"/>
-              <a:t>2023-03-13</a:t>
+              <a:t>2023-03-16</a:t>
             </a:fld>
             <a:endParaRPr lang="ko-KR" altLang="en-US"/>
           </a:p>
@@ -915,7 +915,7 @@
           <a:p>
             <a:fld id="{9D69220E-4475-4C97-B19E-C5B29B7B3363}" type="datetimeFigureOut">
               <a:rPr lang="ko-KR" altLang="en-US" smtClean="0"/>
-              <a:t>2023-03-13</a:t>
+              <a:t>2023-03-16</a:t>
             </a:fld>
             <a:endParaRPr lang="ko-KR" altLang="en-US"/>
           </a:p>
@@ -1113,7 +1113,7 @@
           <a:p>
             <a:fld id="{9D69220E-4475-4C97-B19E-C5B29B7B3363}" type="datetimeFigureOut">
               <a:rPr lang="ko-KR" altLang="en-US" smtClean="0"/>
-              <a:t>2023-03-13</a:t>
+              <a:t>2023-03-16</a:t>
             </a:fld>
             <a:endParaRPr lang="ko-KR" altLang="en-US"/>
           </a:p>
@@ -1321,7 +1321,7 @@
           <a:p>
             <a:fld id="{9D69220E-4475-4C97-B19E-C5B29B7B3363}" type="datetimeFigureOut">
               <a:rPr lang="ko-KR" altLang="en-US" smtClean="0"/>
-              <a:t>2023-03-13</a:t>
+              <a:t>2023-03-16</a:t>
             </a:fld>
             <a:endParaRPr lang="ko-KR" altLang="en-US"/>
           </a:p>
@@ -1519,7 +1519,7 @@
           <a:p>
             <a:fld id="{9D69220E-4475-4C97-B19E-C5B29B7B3363}" type="datetimeFigureOut">
               <a:rPr lang="ko-KR" altLang="en-US" smtClean="0"/>
-              <a:t>2023-03-13</a:t>
+              <a:t>2023-03-16</a:t>
             </a:fld>
             <a:endParaRPr lang="ko-KR" altLang="en-US"/>
           </a:p>
@@ -1794,7 +1794,7 @@
           <a:p>
             <a:fld id="{9D69220E-4475-4C97-B19E-C5B29B7B3363}" type="datetimeFigureOut">
               <a:rPr lang="ko-KR" altLang="en-US" smtClean="0"/>
-              <a:t>2023-03-13</a:t>
+              <a:t>2023-03-16</a:t>
             </a:fld>
             <a:endParaRPr lang="ko-KR" altLang="en-US"/>
           </a:p>
@@ -2059,7 +2059,7 @@
           <a:p>
             <a:fld id="{9D69220E-4475-4C97-B19E-C5B29B7B3363}" type="datetimeFigureOut">
               <a:rPr lang="ko-KR" altLang="en-US" smtClean="0"/>
-              <a:t>2023-03-13</a:t>
+              <a:t>2023-03-16</a:t>
             </a:fld>
             <a:endParaRPr lang="ko-KR" altLang="en-US"/>
           </a:p>
@@ -2471,7 +2471,7 @@
           <a:p>
             <a:fld id="{9D69220E-4475-4C97-B19E-C5B29B7B3363}" type="datetimeFigureOut">
               <a:rPr lang="ko-KR" altLang="en-US" smtClean="0"/>
-              <a:t>2023-03-13</a:t>
+              <a:t>2023-03-16</a:t>
             </a:fld>
             <a:endParaRPr lang="ko-KR" altLang="en-US"/>
           </a:p>
@@ -2612,7 +2612,7 @@
           <a:p>
             <a:fld id="{9D69220E-4475-4C97-B19E-C5B29B7B3363}" type="datetimeFigureOut">
               <a:rPr lang="ko-KR" altLang="en-US" smtClean="0"/>
-              <a:t>2023-03-13</a:t>
+              <a:t>2023-03-16</a:t>
             </a:fld>
             <a:endParaRPr lang="ko-KR" altLang="en-US"/>
           </a:p>
@@ -2725,7 +2725,7 @@
           <a:p>
             <a:fld id="{9D69220E-4475-4C97-B19E-C5B29B7B3363}" type="datetimeFigureOut">
               <a:rPr lang="ko-KR" altLang="en-US" smtClean="0"/>
-              <a:t>2023-03-13</a:t>
+              <a:t>2023-03-16</a:t>
             </a:fld>
             <a:endParaRPr lang="ko-KR" altLang="en-US"/>
           </a:p>
@@ -3036,7 +3036,7 @@
           <a:p>
             <a:fld id="{9D69220E-4475-4C97-B19E-C5B29B7B3363}" type="datetimeFigureOut">
               <a:rPr lang="ko-KR" altLang="en-US" smtClean="0"/>
-              <a:t>2023-03-13</a:t>
+              <a:t>2023-03-16</a:t>
             </a:fld>
             <a:endParaRPr lang="ko-KR" altLang="en-US"/>
           </a:p>
@@ -3324,7 +3324,7 @@
           <a:p>
             <a:fld id="{9D69220E-4475-4C97-B19E-C5B29B7B3363}" type="datetimeFigureOut">
               <a:rPr lang="ko-KR" altLang="en-US" smtClean="0"/>
-              <a:t>2023-03-13</a:t>
+              <a:t>2023-03-16</a:t>
             </a:fld>
             <a:endParaRPr lang="ko-KR" altLang="en-US"/>
           </a:p>
@@ -3565,7 +3565,7 @@
           <a:p>
             <a:fld id="{9D69220E-4475-4C97-B19E-C5B29B7B3363}" type="datetimeFigureOut">
               <a:rPr lang="ko-KR" altLang="en-US" smtClean="0"/>
-              <a:t>2023-03-13</a:t>
+              <a:t>2023-03-16</a:t>
             </a:fld>
             <a:endParaRPr lang="ko-KR" altLang="en-US"/>
           </a:p>
@@ -25028,7 +25028,7 @@
                 <a:ea typeface="이화체" panose="02000300000000000000" pitchFamily="2" charset="-127"/>
                 <a:cs typeface="조선일보명조" panose="02030304000000000000" pitchFamily="18" charset="-127"/>
               </a:rPr>
-              <a:t>지역에 따른 선호 게임 장르의 차이는 없다</a:t>
+              <a:t>지역과 선호 게임 장르는 관련이 없다</a:t>
             </a:r>
             <a:r>
               <a:rPr lang="en-US" altLang="ko-KR" sz="2800" b="1" dirty="0">
@@ -25105,7 +25105,7 @@
                 <a:ea typeface="이화체" panose="02000300000000000000" pitchFamily="2" charset="-127"/>
                 <a:cs typeface="조선일보명조" panose="02030304000000000000" pitchFamily="18" charset="-127"/>
               </a:rPr>
-              <a:t>지역에 따른 선호 게임 장르의 차이가 있다</a:t>
+              <a:t>지역과 선호 게임 장르는 관련이 있다</a:t>
             </a:r>
             <a:r>
               <a:rPr lang="en-US" altLang="ko-KR" sz="2800" b="1" dirty="0">
@@ -25120,20 +25120,8 @@
                 <a:ea typeface="이화체" panose="02000300000000000000" pitchFamily="2" charset="-127"/>
                 <a:cs typeface="조선일보명조" panose="02030304000000000000" pitchFamily="18" charset="-127"/>
               </a:rPr>
-              <a:t>. </a:t>
-            </a:r>
-            <a:endParaRPr lang="ko-KR" altLang="en-US" sz="2800" b="1" dirty="0">
-              <a:ln>
-                <a:solidFill>
-                  <a:schemeClr val="tx1">
-                    <a:alpha val="3000"/>
-                  </a:schemeClr>
-                </a:solidFill>
-              </a:ln>
-              <a:latin typeface="이화체" panose="02000300000000000000" pitchFamily="2" charset="-127"/>
-              <a:ea typeface="이화체" panose="02000300000000000000" pitchFamily="2" charset="-127"/>
-              <a:cs typeface="조선일보명조" panose="02030304000000000000" pitchFamily="18" charset="-127"/>
-            </a:endParaRPr>
+              <a:t>.</a:t>
+            </a:r>
           </a:p>
         </p:txBody>
       </p:sp>
@@ -25474,7 +25462,7 @@
                 <a:ea typeface="이화체" panose="02000300000000000000" pitchFamily="2" charset="-127"/>
                 <a:cs typeface="조선일보명조" panose="02030304000000000000" pitchFamily="18" charset="-127"/>
               </a:rPr>
-              <a:t>지역에 따른 선호 게임 장르의 차이가 있다</a:t>
+              <a:t>지역과 선호 게임 장르는 관련이 있다</a:t>
             </a:r>
             <a:r>
               <a:rPr lang="ko-KR" altLang="en-US" sz="2800" dirty="0">
